--- a/BEL_presentation.pptx
+++ b/BEL_presentation.pptx
@@ -813,7 +813,7 @@
   <p:cSld>
     <p:spTree>
       <p:nvGrpSpPr>
-        <p:cNvPr id="138" name="Shape 138"/>
+        <p:cNvPr id="139" name="Shape 139"/>
         <p:cNvGrpSpPr/>
         <p:nvPr/>
       </p:nvGrpSpPr>
@@ -827,7 +827,7 @@
       </p:grpSpPr>
       <p:sp>
         <p:nvSpPr>
-          <p:cNvPr id="139" name="Google Shape;139;g1545935eeaf_0_211:notes"/>
+          <p:cNvPr id="140" name="Google Shape;140;g1545935eeaf_0_211:notes"/>
           <p:cNvSpPr/>
           <p:nvPr>
             <p:ph idx="2" type="sldImg"/>
@@ -862,7 +862,7 @@
       </p:sp>
       <p:sp>
         <p:nvSpPr>
-          <p:cNvPr id="140" name="Google Shape;140;g1545935eeaf_0_211:notes"/>
+          <p:cNvPr id="141" name="Google Shape;141;g1545935eeaf_0_211:notes"/>
           <p:cNvSpPr txBox="1"/>
           <p:nvPr>
             <p:ph idx="1" type="body"/>
@@ -1308,7 +1308,7 @@
   <p:cSld>
     <p:spTree>
       <p:nvGrpSpPr>
-        <p:cNvPr id="103" name="Shape 103"/>
+        <p:cNvPr id="104" name="Shape 104"/>
         <p:cNvGrpSpPr/>
         <p:nvPr/>
       </p:nvGrpSpPr>
@@ -1322,7 +1322,7 @@
       </p:grpSpPr>
       <p:sp>
         <p:nvSpPr>
-          <p:cNvPr id="104" name="Google Shape;104;g15552445fe3_0_32:notes"/>
+          <p:cNvPr id="105" name="Google Shape;105;g15552445fe3_0_32:notes"/>
           <p:cNvSpPr/>
           <p:nvPr>
             <p:ph idx="2" type="sldImg"/>
@@ -1357,7 +1357,7 @@
       </p:sp>
       <p:sp>
         <p:nvSpPr>
-          <p:cNvPr id="105" name="Google Shape;105;g15552445fe3_0_32:notes"/>
+          <p:cNvPr id="106" name="Google Shape;106;g15552445fe3_0_32:notes"/>
           <p:cNvSpPr txBox="1"/>
           <p:nvPr>
             <p:ph idx="1" type="body"/>
@@ -1407,7 +1407,7 @@
   <p:cSld>
     <p:spTree>
       <p:nvGrpSpPr>
-        <p:cNvPr id="114" name="Shape 114"/>
+        <p:cNvPr id="115" name="Shape 115"/>
         <p:cNvGrpSpPr/>
         <p:nvPr/>
       </p:nvGrpSpPr>
@@ -1421,7 +1421,7 @@
       </p:grpSpPr>
       <p:sp>
         <p:nvSpPr>
-          <p:cNvPr id="115" name="Google Shape;115;g15552445fe3_0_38:notes"/>
+          <p:cNvPr id="116" name="Google Shape;116;g15552445fe3_0_38:notes"/>
           <p:cNvSpPr/>
           <p:nvPr>
             <p:ph idx="2" type="sldImg"/>
@@ -1456,7 +1456,7 @@
       </p:sp>
       <p:sp>
         <p:nvSpPr>
-          <p:cNvPr id="116" name="Google Shape;116;g15552445fe3_0_38:notes"/>
+          <p:cNvPr id="117" name="Google Shape;117;g15552445fe3_0_38:notes"/>
           <p:cNvSpPr txBox="1"/>
           <p:nvPr>
             <p:ph idx="1" type="body"/>
@@ -1506,7 +1506,7 @@
   <p:cSld>
     <p:spTree>
       <p:nvGrpSpPr>
-        <p:cNvPr id="122" name="Shape 122"/>
+        <p:cNvPr id="123" name="Shape 123"/>
         <p:cNvGrpSpPr/>
         <p:nvPr/>
       </p:nvGrpSpPr>
@@ -1520,7 +1520,7 @@
       </p:grpSpPr>
       <p:sp>
         <p:nvSpPr>
-          <p:cNvPr id="123" name="Google Shape;123;g1545935eeaf_0_191:notes"/>
+          <p:cNvPr id="124" name="Google Shape;124;g1545935eeaf_0_191:notes"/>
           <p:cNvSpPr/>
           <p:nvPr>
             <p:ph idx="2" type="sldImg"/>
@@ -1555,7 +1555,7 @@
       </p:sp>
       <p:sp>
         <p:nvSpPr>
-          <p:cNvPr id="124" name="Google Shape;124;g1545935eeaf_0_191:notes"/>
+          <p:cNvPr id="125" name="Google Shape;125;g1545935eeaf_0_191:notes"/>
           <p:cNvSpPr txBox="1"/>
           <p:nvPr>
             <p:ph idx="1" type="body"/>
@@ -1605,7 +1605,7 @@
   <p:cSld>
     <p:spTree>
       <p:nvGrpSpPr>
-        <p:cNvPr id="131" name="Shape 131"/>
+        <p:cNvPr id="132" name="Shape 132"/>
         <p:cNvGrpSpPr/>
         <p:nvPr/>
       </p:nvGrpSpPr>
@@ -1619,7 +1619,7 @@
       </p:grpSpPr>
       <p:sp>
         <p:nvSpPr>
-          <p:cNvPr id="132" name="Google Shape;132;g1551d2bc16f_0_8:notes"/>
+          <p:cNvPr id="133" name="Google Shape;133;g1551d2bc16f_0_8:notes"/>
           <p:cNvSpPr/>
           <p:nvPr>
             <p:ph idx="2" type="sldImg"/>
@@ -1654,7 +1654,7 @@
       </p:sp>
       <p:sp>
         <p:nvSpPr>
-          <p:cNvPr id="133" name="Google Shape;133;g1551d2bc16f_0_8:notes"/>
+          <p:cNvPr id="134" name="Google Shape;134;g1551d2bc16f_0_8:notes"/>
           <p:cNvSpPr txBox="1"/>
           <p:nvPr>
             <p:ph idx="1" type="body"/>
@@ -7347,7 +7347,7 @@
   <p:cSld>
     <p:spTree>
       <p:nvGrpSpPr>
-        <p:cNvPr id="141" name="Shape 141"/>
+        <p:cNvPr id="142" name="Shape 142"/>
         <p:cNvGrpSpPr/>
         <p:nvPr/>
       </p:nvGrpSpPr>
@@ -7361,7 +7361,7 @@
       </p:grpSpPr>
       <p:sp>
         <p:nvSpPr>
-          <p:cNvPr id="142" name="Google Shape;142;p22"/>
+          <p:cNvPr id="143" name="Google Shape;143;p22"/>
           <p:cNvSpPr txBox="1"/>
           <p:nvPr>
             <p:ph type="title"/>
@@ -7401,7 +7401,7 @@
       </p:sp>
       <p:sp>
         <p:nvSpPr>
-          <p:cNvPr id="143" name="Google Shape;143;p22"/>
+          <p:cNvPr id="144" name="Google Shape;144;p22"/>
           <p:cNvSpPr txBox="1"/>
           <p:nvPr/>
         </p:nvSpPr>
@@ -8474,6 +8474,64 @@
           </a:p>
         </p:txBody>
       </p:sp>
+      <p:sp>
+        <p:nvSpPr>
+          <p:cNvPr id="103" name="Google Shape;103;p17"/>
+          <p:cNvSpPr txBox="1"/>
+          <p:nvPr/>
+        </p:nvSpPr>
+        <p:spPr>
+          <a:xfrm>
+            <a:off x="1749450" y="3877775"/>
+            <a:ext cx="2652300" cy="1031400"/>
+          </a:xfrm>
+          <a:prstGeom prst="rect">
+            <a:avLst/>
+          </a:prstGeom>
+          <a:noFill/>
+          <a:ln>
+            <a:noFill/>
+          </a:ln>
+        </p:spPr>
+        <p:txBody>
+          <a:bodyPr anchorCtr="0" anchor="t" bIns="91425" lIns="91425" spcFirstLastPara="1" rIns="91425" wrap="square" tIns="91425">
+            <a:spAutoFit/>
+          </a:bodyPr>
+          <a:lstStyle/>
+          <a:p>
+            <a:pPr indent="0" lvl="0" marL="0" rtl="0" algn="l">
+              <a:spcBef>
+                <a:spcPts val="0"/>
+              </a:spcBef>
+              <a:spcAft>
+                <a:spcPts val="0"/>
+              </a:spcAft>
+              <a:buNone/>
+            </a:pPr>
+            <a:r>
+              <a:rPr lang="fr" sz="1100">
+                <a:solidFill>
+                  <a:schemeClr val="dk1"/>
+                </a:solidFill>
+                <a:latin typeface="Roboto"/>
+                <a:ea typeface="Roboto"/>
+                <a:cs typeface="Roboto"/>
+                <a:sym typeface="Roboto"/>
+              </a:rPr>
+              <a:t>Saff, E.B., Kuijlaars, A.B.J. Distributing many points on a sphere.The Mathematical Intelligencer 19, 5–11 (1997). https://doi.org/10.1007/BF03024331</a:t>
+            </a:r>
+            <a:endParaRPr sz="1100">
+              <a:solidFill>
+                <a:schemeClr val="dk1"/>
+              </a:solidFill>
+              <a:latin typeface="Roboto"/>
+              <a:ea typeface="Roboto"/>
+              <a:cs typeface="Roboto"/>
+              <a:sym typeface="Roboto"/>
+            </a:endParaRPr>
+          </a:p>
+        </p:txBody>
+      </p:sp>
     </p:spTree>
   </p:cSld>
   <p:clrMapOvr>
@@ -8487,7 +8545,7 @@
   <p:cSld>
     <p:spTree>
       <p:nvGrpSpPr>
-        <p:cNvPr id="106" name="Shape 106"/>
+        <p:cNvPr id="107" name="Shape 107"/>
         <p:cNvGrpSpPr/>
         <p:nvPr/>
       </p:nvGrpSpPr>
@@ -8501,7 +8559,7 @@
       </p:grpSpPr>
       <p:sp>
         <p:nvSpPr>
-          <p:cNvPr id="107" name="Google Shape;107;p18"/>
+          <p:cNvPr id="108" name="Google Shape;108;p18"/>
           <p:cNvSpPr txBox="1"/>
           <p:nvPr>
             <p:ph type="title"/>
@@ -8541,7 +8599,7 @@
       </p:sp>
       <p:pic>
         <p:nvPicPr>
-          <p:cNvPr id="108" name="Google Shape;108;p18"/>
+          <p:cNvPr id="109" name="Google Shape;109;p18"/>
           <p:cNvPicPr preferRelativeResize="0"/>
           <p:nvPr/>
         </p:nvPicPr>
@@ -8569,7 +8627,7 @@
       </p:pic>
       <p:pic>
         <p:nvPicPr>
-          <p:cNvPr id="109" name="Google Shape;109;p18"/>
+          <p:cNvPr id="110" name="Google Shape;110;p18"/>
           <p:cNvPicPr preferRelativeResize="0"/>
           <p:nvPr/>
         </p:nvPicPr>
@@ -8597,7 +8655,7 @@
       </p:pic>
       <p:sp>
         <p:nvSpPr>
-          <p:cNvPr id="110" name="Google Shape;110;p18"/>
+          <p:cNvPr id="111" name="Google Shape;111;p18"/>
           <p:cNvSpPr txBox="1"/>
           <p:nvPr/>
         </p:nvSpPr>
@@ -8649,7 +8707,7 @@
       </p:sp>
       <p:sp>
         <p:nvSpPr>
-          <p:cNvPr id="111" name="Google Shape;111;p18"/>
+          <p:cNvPr id="112" name="Google Shape;112;p18"/>
           <p:cNvSpPr txBox="1"/>
           <p:nvPr/>
         </p:nvSpPr>
@@ -8701,7 +8759,7 @@
       </p:sp>
       <p:sp>
         <p:nvSpPr>
-          <p:cNvPr id="112" name="Google Shape;112;p18"/>
+          <p:cNvPr id="113" name="Google Shape;113;p18"/>
           <p:cNvSpPr txBox="1"/>
           <p:nvPr/>
         </p:nvSpPr>
@@ -8759,7 +8817,7 @@
       </p:sp>
       <p:sp>
         <p:nvSpPr>
-          <p:cNvPr id="113" name="Google Shape;113;p18"/>
+          <p:cNvPr id="114" name="Google Shape;114;p18"/>
           <p:cNvSpPr txBox="1"/>
           <p:nvPr/>
         </p:nvSpPr>
@@ -8828,7 +8886,7 @@
   <p:cSld>
     <p:spTree>
       <p:nvGrpSpPr>
-        <p:cNvPr id="117" name="Shape 117"/>
+        <p:cNvPr id="118" name="Shape 118"/>
         <p:cNvGrpSpPr/>
         <p:nvPr/>
       </p:nvGrpSpPr>
@@ -8842,7 +8900,7 @@
       </p:grpSpPr>
       <p:sp>
         <p:nvSpPr>
-          <p:cNvPr id="118" name="Google Shape;118;p19"/>
+          <p:cNvPr id="119" name="Google Shape;119;p19"/>
           <p:cNvSpPr txBox="1"/>
           <p:nvPr>
             <p:ph type="title"/>
@@ -8882,7 +8940,7 @@
       </p:sp>
       <p:pic>
         <p:nvPicPr>
-          <p:cNvPr id="119" name="Google Shape;119;p19"/>
+          <p:cNvPr id="120" name="Google Shape;120;p19"/>
           <p:cNvPicPr preferRelativeResize="0"/>
           <p:nvPr/>
         </p:nvPicPr>
@@ -8910,7 +8968,7 @@
       </p:pic>
       <p:sp>
         <p:nvSpPr>
-          <p:cNvPr id="120" name="Google Shape;120;p19"/>
+          <p:cNvPr id="121" name="Google Shape;121;p19"/>
           <p:cNvSpPr txBox="1"/>
           <p:nvPr/>
         </p:nvSpPr>
@@ -9084,7 +9142,7 @@
       </p:sp>
       <p:sp>
         <p:nvSpPr>
-          <p:cNvPr id="121" name="Google Shape;121;p19"/>
+          <p:cNvPr id="122" name="Google Shape;122;p19"/>
           <p:cNvSpPr txBox="1"/>
           <p:nvPr/>
         </p:nvSpPr>
@@ -9153,7 +9211,7 @@
   <p:cSld>
     <p:spTree>
       <p:nvGrpSpPr>
-        <p:cNvPr id="125" name="Shape 125"/>
+        <p:cNvPr id="126" name="Shape 126"/>
         <p:cNvGrpSpPr/>
         <p:nvPr/>
       </p:nvGrpSpPr>
@@ -9167,7 +9225,7 @@
       </p:grpSpPr>
       <p:sp>
         <p:nvSpPr>
-          <p:cNvPr id="126" name="Google Shape;126;p20"/>
+          <p:cNvPr id="127" name="Google Shape;127;p20"/>
           <p:cNvSpPr txBox="1"/>
           <p:nvPr>
             <p:ph type="title"/>
@@ -9207,7 +9265,7 @@
       </p:sp>
       <p:sp>
         <p:nvSpPr>
-          <p:cNvPr id="127" name="Google Shape;127;p20"/>
+          <p:cNvPr id="128" name="Google Shape;128;p20"/>
           <p:cNvSpPr txBox="1"/>
           <p:nvPr/>
         </p:nvSpPr>
@@ -9265,7 +9323,7 @@
       </p:sp>
       <p:sp>
         <p:nvSpPr>
-          <p:cNvPr id="128" name="Google Shape;128;p20"/>
+          <p:cNvPr id="129" name="Google Shape;129;p20"/>
           <p:cNvSpPr txBox="1"/>
           <p:nvPr/>
         </p:nvSpPr>
@@ -9442,7 +9500,7 @@
       </p:sp>
       <p:sp>
         <p:nvSpPr>
-          <p:cNvPr id="129" name="Google Shape;129;p20"/>
+          <p:cNvPr id="130" name="Google Shape;130;p20"/>
           <p:cNvSpPr txBox="1"/>
           <p:nvPr/>
         </p:nvSpPr>
@@ -9500,7 +9558,7 @@
       </p:sp>
       <p:pic>
         <p:nvPicPr>
-          <p:cNvPr id="130" name="Google Shape;130;p20"/>
+          <p:cNvPr id="131" name="Google Shape;131;p20"/>
           <p:cNvPicPr preferRelativeResize="0"/>
           <p:nvPr/>
         </p:nvPicPr>
@@ -9539,7 +9597,7 @@
   <p:cSld>
     <p:spTree>
       <p:nvGrpSpPr>
-        <p:cNvPr id="134" name="Shape 134"/>
+        <p:cNvPr id="135" name="Shape 135"/>
         <p:cNvGrpSpPr/>
         <p:nvPr/>
       </p:nvGrpSpPr>
@@ -9553,7 +9611,7 @@
       </p:grpSpPr>
       <p:sp>
         <p:nvSpPr>
-          <p:cNvPr id="135" name="Google Shape;135;p21"/>
+          <p:cNvPr id="136" name="Google Shape;136;p21"/>
           <p:cNvSpPr txBox="1"/>
           <p:nvPr>
             <p:ph type="title"/>
@@ -9593,7 +9651,7 @@
       </p:sp>
       <p:sp>
         <p:nvSpPr>
-          <p:cNvPr id="136" name="Google Shape;136;p21"/>
+          <p:cNvPr id="137" name="Google Shape;137;p21"/>
           <p:cNvSpPr txBox="1"/>
           <p:nvPr>
             <p:ph idx="1" type="body"/>
@@ -9668,7 +9726,7 @@
       </p:sp>
       <p:sp>
         <p:nvSpPr>
-          <p:cNvPr id="137" name="Google Shape;137;p21"/>
+          <p:cNvPr id="138" name="Google Shape;138;p21"/>
           <p:cNvSpPr txBox="1"/>
           <p:nvPr/>
         </p:nvSpPr>
@@ -9733,6 +9791,285 @@
 </file>
 
 <file path=ppt/theme/theme1.xml><?xml version="1.0" encoding="utf-8"?>
+<a:theme xmlns:a="http://schemas.openxmlformats.org/drawingml/2006/main" xmlns:r="http://schemas.openxmlformats.org/officeDocument/2006/relationships" name="Marina">
+  <a:themeElements>
+    <a:clrScheme name="Marina">
+      <a:dk1>
+        <a:srgbClr val="FFFFFF"/>
+      </a:dk1>
+      <a:lt1>
+        <a:srgbClr val="00517C"/>
+      </a:lt1>
+      <a:dk2>
+        <a:srgbClr val="004065"/>
+      </a:dk2>
+      <a:lt2>
+        <a:srgbClr val="CFD8DC"/>
+      </a:lt2>
+      <a:accent1>
+        <a:srgbClr val="0277BD"/>
+      </a:accent1>
+      <a:accent2>
+        <a:srgbClr val="558B2F"/>
+      </a:accent2>
+      <a:accent3>
+        <a:srgbClr val="009688"/>
+      </a:accent3>
+      <a:accent4>
+        <a:srgbClr val="039BE5"/>
+      </a:accent4>
+      <a:accent5>
+        <a:srgbClr val="8BC34A"/>
+      </a:accent5>
+      <a:accent6>
+        <a:srgbClr val="FFEB38"/>
+      </a:accent6>
+      <a:hlink>
+        <a:srgbClr val="8BC34A"/>
+      </a:hlink>
+      <a:folHlink>
+        <a:srgbClr val="8BC34A"/>
+      </a:folHlink>
+    </a:clrScheme>
+    <a:fontScheme name="Office">
+      <a:majorFont>
+        <a:latin typeface="Arial"/>
+        <a:ea typeface=""/>
+        <a:cs typeface=""/>
+        <a:font script="Jpan" typeface="ＭＳ Ｐゴシック"/>
+        <a:font script="Hang" typeface="맑은 고딕"/>
+        <a:font script="Hans" typeface="宋体"/>
+        <a:font script="Hant" typeface="新細明體"/>
+        <a:font script="Arab" typeface="Times New Roman"/>
+        <a:font script="Hebr" typeface="Times New Roman"/>
+        <a:font script="Thai" typeface="Angsana New"/>
+        <a:font script="Ethi" typeface="Nyala"/>
+        <a:font script="Beng" typeface="Vrinda"/>
+        <a:font script="Gujr" typeface="Shruti"/>
+        <a:font script="Khmr" typeface="MoolBoran"/>
+        <a:font script="Knda" typeface="Tunga"/>
+        <a:font script="Guru" typeface="Raavi"/>
+        <a:font script="Cans" typeface="Euphemia"/>
+        <a:font script="Cher" typeface="Plantagenet Cherokee"/>
+        <a:font script="Yiii" typeface="Microsoft Yi Baiti"/>
+        <a:font script="Tibt" typeface="Microsoft Himalaya"/>
+        <a:font script="Thaa" typeface="MV Boli"/>
+        <a:font script="Deva" typeface="Mangal"/>
+        <a:font script="Telu" typeface="Gautami"/>
+        <a:font script="Taml" typeface="Latha"/>
+        <a:font script="Syrc" typeface="Estrangelo Edessa"/>
+        <a:font script="Orya" typeface="Kalinga"/>
+        <a:font script="Mlym" typeface="Kartika"/>
+        <a:font script="Laoo" typeface="DokChampa"/>
+        <a:font script="Sinh" typeface="Iskoola Pota"/>
+        <a:font script="Mong" typeface="Mongolian Baiti"/>
+        <a:font script="Viet" typeface="Times New Roman"/>
+        <a:font script="Uigh" typeface="Microsoft Uighur"/>
+        <a:font script="Geor" typeface="Sylfaen"/>
+      </a:majorFont>
+      <a:minorFont>
+        <a:latin typeface="Arial"/>
+        <a:ea typeface=""/>
+        <a:cs typeface=""/>
+        <a:font script="Jpan" typeface="ＭＳ Ｐゴシック"/>
+        <a:font script="Hang" typeface="맑은 고딕"/>
+        <a:font script="Hans" typeface="宋体"/>
+        <a:font script="Hant" typeface="新細明體"/>
+        <a:font script="Arab" typeface="Arial"/>
+        <a:font script="Hebr" typeface="Arial"/>
+        <a:font script="Thai" typeface="Cordia New"/>
+        <a:font script="Ethi" typeface="Nyala"/>
+        <a:font script="Beng" typeface="Vrinda"/>
+        <a:font script="Gujr" typeface="Shruti"/>
+        <a:font script="Khmr" typeface="DaunPenh"/>
+        <a:font script="Knda" typeface="Tunga"/>
+        <a:font script="Guru" typeface="Raavi"/>
+        <a:font script="Cans" typeface="Euphemia"/>
+        <a:font script="Cher" typeface="Plantagenet Cherokee"/>
+        <a:font script="Yiii" typeface="Microsoft Yi Baiti"/>
+        <a:font script="Tibt" typeface="Microsoft Himalaya"/>
+        <a:font script="Thaa" typeface="MV Boli"/>
+        <a:font script="Deva" typeface="Mangal"/>
+        <a:font script="Telu" typeface="Gautami"/>
+        <a:font script="Taml" typeface="Latha"/>
+        <a:font script="Syrc" typeface="Estrangelo Edessa"/>
+        <a:font script="Orya" typeface="Kalinga"/>
+        <a:font script="Mlym" typeface="Kartika"/>
+        <a:font script="Laoo" typeface="DokChampa"/>
+        <a:font script="Sinh" typeface="Iskoola Pota"/>
+        <a:font script="Mong" typeface="Mongolian Baiti"/>
+        <a:font script="Viet" typeface="Arial"/>
+        <a:font script="Uigh" typeface="Microsoft Uighur"/>
+        <a:font script="Geor" typeface="Sylfaen"/>
+      </a:minorFont>
+    </a:fontScheme>
+    <a:fmtScheme name="Office">
+      <a:fillStyleLst>
+        <a:solidFill>
+          <a:schemeClr val="phClr"/>
+        </a:solidFill>
+        <a:gradFill rotWithShape="1">
+          <a:gsLst>
+            <a:gs pos="0">
+              <a:schemeClr val="phClr">
+                <a:tint val="50000"/>
+                <a:satMod val="300000"/>
+              </a:schemeClr>
+            </a:gs>
+            <a:gs pos="35000">
+              <a:schemeClr val="phClr">
+                <a:tint val="37000"/>
+                <a:satMod val="300000"/>
+              </a:schemeClr>
+            </a:gs>
+            <a:gs pos="100000">
+              <a:schemeClr val="phClr">
+                <a:tint val="15000"/>
+                <a:satMod val="350000"/>
+              </a:schemeClr>
+            </a:gs>
+          </a:gsLst>
+          <a:lin ang="16200000" scaled="1"/>
+        </a:gradFill>
+        <a:gradFill rotWithShape="1">
+          <a:gsLst>
+            <a:gs pos="0">
+              <a:schemeClr val="phClr">
+                <a:tint val="100000"/>
+                <a:shade val="100000"/>
+                <a:satMod val="130000"/>
+              </a:schemeClr>
+            </a:gs>
+            <a:gs pos="100000">
+              <a:schemeClr val="phClr">
+                <a:tint val="50000"/>
+                <a:shade val="100000"/>
+                <a:satMod val="350000"/>
+              </a:schemeClr>
+            </a:gs>
+          </a:gsLst>
+          <a:lin ang="16200000" scaled="0"/>
+        </a:gradFill>
+      </a:fillStyleLst>
+      <a:lnStyleLst>
+        <a:ln w="9525" cap="flat" cmpd="sng" algn="ctr">
+          <a:solidFill>
+            <a:schemeClr val="phClr">
+              <a:shade val="95000"/>
+              <a:satMod val="105000"/>
+            </a:schemeClr>
+          </a:solidFill>
+          <a:prstDash val="solid"/>
+        </a:ln>
+        <a:ln w="25400" cap="flat" cmpd="sng" algn="ctr">
+          <a:solidFill>
+            <a:schemeClr val="phClr"/>
+          </a:solidFill>
+          <a:prstDash val="solid"/>
+        </a:ln>
+        <a:ln w="38100" cap="flat" cmpd="sng" algn="ctr">
+          <a:solidFill>
+            <a:schemeClr val="phClr"/>
+          </a:solidFill>
+          <a:prstDash val="solid"/>
+        </a:ln>
+      </a:lnStyleLst>
+      <a:effectStyleLst>
+        <a:effectStyle>
+          <a:effectLst>
+            <a:outerShdw blurRad="40000" dist="20000" dir="5400000" rotWithShape="0">
+              <a:srgbClr val="000000">
+                <a:alpha val="38000"/>
+              </a:srgbClr>
+            </a:outerShdw>
+          </a:effectLst>
+        </a:effectStyle>
+        <a:effectStyle>
+          <a:effectLst>
+            <a:outerShdw blurRad="40000" dist="23000" dir="5400000" rotWithShape="0">
+              <a:srgbClr val="000000">
+                <a:alpha val="35000"/>
+              </a:srgbClr>
+            </a:outerShdw>
+          </a:effectLst>
+        </a:effectStyle>
+        <a:effectStyle>
+          <a:effectLst>
+            <a:outerShdw blurRad="40000" dist="23000" dir="5400000" rotWithShape="0">
+              <a:srgbClr val="000000">
+                <a:alpha val="35000"/>
+              </a:srgbClr>
+            </a:outerShdw>
+          </a:effectLst>
+          <a:scene3d>
+            <a:camera prst="orthographicFront">
+              <a:rot lat="0" lon="0" rev="0"/>
+            </a:camera>
+            <a:lightRig rig="threePt" dir="t">
+              <a:rot lat="0" lon="0" rev="1200000"/>
+            </a:lightRig>
+          </a:scene3d>
+          <a:sp3d>
+            <a:bevelT w="63500" h="25400"/>
+          </a:sp3d>
+        </a:effectStyle>
+      </a:effectStyleLst>
+      <a:bgFillStyleLst>
+        <a:solidFill>
+          <a:schemeClr val="phClr"/>
+        </a:solidFill>
+        <a:gradFill rotWithShape="1">
+          <a:gsLst>
+            <a:gs pos="0">
+              <a:schemeClr val="phClr">
+                <a:tint val="40000"/>
+                <a:satMod val="350000"/>
+              </a:schemeClr>
+            </a:gs>
+            <a:gs pos="40000">
+              <a:schemeClr val="phClr">
+                <a:tint val="45000"/>
+                <a:shade val="99000"/>
+                <a:satMod val="350000"/>
+              </a:schemeClr>
+            </a:gs>
+            <a:gs pos="100000">
+              <a:schemeClr val="phClr">
+                <a:shade val="20000"/>
+                <a:satMod val="255000"/>
+              </a:schemeClr>
+            </a:gs>
+          </a:gsLst>
+          <a:path path="circle">
+            <a:fillToRect l="50000" t="-80000" r="50000" b="180000"/>
+          </a:path>
+        </a:gradFill>
+        <a:gradFill rotWithShape="1">
+          <a:gsLst>
+            <a:gs pos="0">
+              <a:schemeClr val="phClr">
+                <a:tint val="80000"/>
+                <a:satMod val="300000"/>
+              </a:schemeClr>
+            </a:gs>
+            <a:gs pos="100000">
+              <a:schemeClr val="phClr">
+                <a:shade val="30000"/>
+                <a:satMod val="200000"/>
+              </a:schemeClr>
+            </a:gs>
+          </a:gsLst>
+          <a:path path="circle">
+            <a:fillToRect l="50000" t="50000" r="50000" b="50000"/>
+          </a:path>
+        </a:gradFill>
+      </a:bgFillStyleLst>
+    </a:fmtScheme>
+  </a:themeElements>
+</a:theme>
+</file>
+
+<file path=ppt/theme/theme2.xml><?xml version="1.0" encoding="utf-8"?>
 <a:theme xmlns:a="http://schemas.openxmlformats.org/drawingml/2006/main" xmlns:r="http://schemas.openxmlformats.org/officeDocument/2006/relationships">
   <a:themeElements>
     <a:clrScheme name="Default">
@@ -10009,283 +10346,4 @@
     </a:fmtScheme>
   </a:themeElements>
 </a:theme>
-</file>
-
-<file path=ppt/theme/theme2.xml><?xml version="1.0" encoding="utf-8"?>
-<a:theme xmlns:a="http://schemas.openxmlformats.org/drawingml/2006/main" xmlns:r="http://schemas.openxmlformats.org/officeDocument/2006/relationships" name="Marina">
-  <a:themeElements>
-    <a:clrScheme name="Marina">
-      <a:dk1>
-        <a:srgbClr val="FFFFFF"/>
-      </a:dk1>
-      <a:lt1>
-        <a:srgbClr val="00517C"/>
-      </a:lt1>
-      <a:dk2>
-        <a:srgbClr val="004065"/>
-      </a:dk2>
-      <a:lt2>
-        <a:srgbClr val="CFD8DC"/>
-      </a:lt2>
-      <a:accent1>
-        <a:srgbClr val="0277BD"/>
-      </a:accent1>
-      <a:accent2>
-        <a:srgbClr val="558B2F"/>
-      </a:accent2>
-      <a:accent3>
-        <a:srgbClr val="009688"/>
-      </a:accent3>
-      <a:accent4>
-        <a:srgbClr val="039BE5"/>
-      </a:accent4>
-      <a:accent5>
-        <a:srgbClr val="8BC34A"/>
-      </a:accent5>
-      <a:accent6>
-        <a:srgbClr val="FFEB38"/>
-      </a:accent6>
-      <a:hlink>
-        <a:srgbClr val="8BC34A"/>
-      </a:hlink>
-      <a:folHlink>
-        <a:srgbClr val="8BC34A"/>
-      </a:folHlink>
-    </a:clrScheme>
-    <a:fontScheme name="Office">
-      <a:majorFont>
-        <a:latin typeface="Arial"/>
-        <a:ea typeface=""/>
-        <a:cs typeface=""/>
-        <a:font script="Jpan" typeface="ＭＳ Ｐゴシック"/>
-        <a:font script="Hang" typeface="맑은 고딕"/>
-        <a:font script="Hans" typeface="宋体"/>
-        <a:font script="Hant" typeface="新細明體"/>
-        <a:font script="Arab" typeface="Times New Roman"/>
-        <a:font script="Hebr" typeface="Times New Roman"/>
-        <a:font script="Thai" typeface="Angsana New"/>
-        <a:font script="Ethi" typeface="Nyala"/>
-        <a:font script="Beng" typeface="Vrinda"/>
-        <a:font script="Gujr" typeface="Shruti"/>
-        <a:font script="Khmr" typeface="MoolBoran"/>
-        <a:font script="Knda" typeface="Tunga"/>
-        <a:font script="Guru" typeface="Raavi"/>
-        <a:font script="Cans" typeface="Euphemia"/>
-        <a:font script="Cher" typeface="Plantagenet Cherokee"/>
-        <a:font script="Yiii" typeface="Microsoft Yi Baiti"/>
-        <a:font script="Tibt" typeface="Microsoft Himalaya"/>
-        <a:font script="Thaa" typeface="MV Boli"/>
-        <a:font script="Deva" typeface="Mangal"/>
-        <a:font script="Telu" typeface="Gautami"/>
-        <a:font script="Taml" typeface="Latha"/>
-        <a:font script="Syrc" typeface="Estrangelo Edessa"/>
-        <a:font script="Orya" typeface="Kalinga"/>
-        <a:font script="Mlym" typeface="Kartika"/>
-        <a:font script="Laoo" typeface="DokChampa"/>
-        <a:font script="Sinh" typeface="Iskoola Pota"/>
-        <a:font script="Mong" typeface="Mongolian Baiti"/>
-        <a:font script="Viet" typeface="Times New Roman"/>
-        <a:font script="Uigh" typeface="Microsoft Uighur"/>
-        <a:font script="Geor" typeface="Sylfaen"/>
-      </a:majorFont>
-      <a:minorFont>
-        <a:latin typeface="Arial"/>
-        <a:ea typeface=""/>
-        <a:cs typeface=""/>
-        <a:font script="Jpan" typeface="ＭＳ Ｐゴシック"/>
-        <a:font script="Hang" typeface="맑은 고딕"/>
-        <a:font script="Hans" typeface="宋体"/>
-        <a:font script="Hant" typeface="新細明體"/>
-        <a:font script="Arab" typeface="Arial"/>
-        <a:font script="Hebr" typeface="Arial"/>
-        <a:font script="Thai" typeface="Cordia New"/>
-        <a:font script="Ethi" typeface="Nyala"/>
-        <a:font script="Beng" typeface="Vrinda"/>
-        <a:font script="Gujr" typeface="Shruti"/>
-        <a:font script="Khmr" typeface="DaunPenh"/>
-        <a:font script="Knda" typeface="Tunga"/>
-        <a:font script="Guru" typeface="Raavi"/>
-        <a:font script="Cans" typeface="Euphemia"/>
-        <a:font script="Cher" typeface="Plantagenet Cherokee"/>
-        <a:font script="Yiii" typeface="Microsoft Yi Baiti"/>
-        <a:font script="Tibt" typeface="Microsoft Himalaya"/>
-        <a:font script="Thaa" typeface="MV Boli"/>
-        <a:font script="Deva" typeface="Mangal"/>
-        <a:font script="Telu" typeface="Gautami"/>
-        <a:font script="Taml" typeface="Latha"/>
-        <a:font script="Syrc" typeface="Estrangelo Edessa"/>
-        <a:font script="Orya" typeface="Kalinga"/>
-        <a:font script="Mlym" typeface="Kartika"/>
-        <a:font script="Laoo" typeface="DokChampa"/>
-        <a:font script="Sinh" typeface="Iskoola Pota"/>
-        <a:font script="Mong" typeface="Mongolian Baiti"/>
-        <a:font script="Viet" typeface="Arial"/>
-        <a:font script="Uigh" typeface="Microsoft Uighur"/>
-        <a:font script="Geor" typeface="Sylfaen"/>
-      </a:minorFont>
-    </a:fontScheme>
-    <a:fmtScheme name="Office">
-      <a:fillStyleLst>
-        <a:solidFill>
-          <a:schemeClr val="phClr"/>
-        </a:solidFill>
-        <a:gradFill rotWithShape="1">
-          <a:gsLst>
-            <a:gs pos="0">
-              <a:schemeClr val="phClr">
-                <a:tint val="50000"/>
-                <a:satMod val="300000"/>
-              </a:schemeClr>
-            </a:gs>
-            <a:gs pos="35000">
-              <a:schemeClr val="phClr">
-                <a:tint val="37000"/>
-                <a:satMod val="300000"/>
-              </a:schemeClr>
-            </a:gs>
-            <a:gs pos="100000">
-              <a:schemeClr val="phClr">
-                <a:tint val="15000"/>
-                <a:satMod val="350000"/>
-              </a:schemeClr>
-            </a:gs>
-          </a:gsLst>
-          <a:lin ang="16200000" scaled="1"/>
-        </a:gradFill>
-        <a:gradFill rotWithShape="1">
-          <a:gsLst>
-            <a:gs pos="0">
-              <a:schemeClr val="phClr">
-                <a:tint val="100000"/>
-                <a:shade val="100000"/>
-                <a:satMod val="130000"/>
-              </a:schemeClr>
-            </a:gs>
-            <a:gs pos="100000">
-              <a:schemeClr val="phClr">
-                <a:tint val="50000"/>
-                <a:shade val="100000"/>
-                <a:satMod val="350000"/>
-              </a:schemeClr>
-            </a:gs>
-          </a:gsLst>
-          <a:lin ang="16200000" scaled="0"/>
-        </a:gradFill>
-      </a:fillStyleLst>
-      <a:lnStyleLst>
-        <a:ln w="9525" cap="flat" cmpd="sng" algn="ctr">
-          <a:solidFill>
-            <a:schemeClr val="phClr">
-              <a:shade val="95000"/>
-              <a:satMod val="105000"/>
-            </a:schemeClr>
-          </a:solidFill>
-          <a:prstDash val="solid"/>
-        </a:ln>
-        <a:ln w="25400" cap="flat" cmpd="sng" algn="ctr">
-          <a:solidFill>
-            <a:schemeClr val="phClr"/>
-          </a:solidFill>
-          <a:prstDash val="solid"/>
-        </a:ln>
-        <a:ln w="38100" cap="flat" cmpd="sng" algn="ctr">
-          <a:solidFill>
-            <a:schemeClr val="phClr"/>
-          </a:solidFill>
-          <a:prstDash val="solid"/>
-        </a:ln>
-      </a:lnStyleLst>
-      <a:effectStyleLst>
-        <a:effectStyle>
-          <a:effectLst>
-            <a:outerShdw blurRad="40000" dist="20000" dir="5400000" rotWithShape="0">
-              <a:srgbClr val="000000">
-                <a:alpha val="38000"/>
-              </a:srgbClr>
-            </a:outerShdw>
-          </a:effectLst>
-        </a:effectStyle>
-        <a:effectStyle>
-          <a:effectLst>
-            <a:outerShdw blurRad="40000" dist="23000" dir="5400000" rotWithShape="0">
-              <a:srgbClr val="000000">
-                <a:alpha val="35000"/>
-              </a:srgbClr>
-            </a:outerShdw>
-          </a:effectLst>
-        </a:effectStyle>
-        <a:effectStyle>
-          <a:effectLst>
-            <a:outerShdw blurRad="40000" dist="23000" dir="5400000" rotWithShape="0">
-              <a:srgbClr val="000000">
-                <a:alpha val="35000"/>
-              </a:srgbClr>
-            </a:outerShdw>
-          </a:effectLst>
-          <a:scene3d>
-            <a:camera prst="orthographicFront">
-              <a:rot lat="0" lon="0" rev="0"/>
-            </a:camera>
-            <a:lightRig rig="threePt" dir="t">
-              <a:rot lat="0" lon="0" rev="1200000"/>
-            </a:lightRig>
-          </a:scene3d>
-          <a:sp3d>
-            <a:bevelT w="63500" h="25400"/>
-          </a:sp3d>
-        </a:effectStyle>
-      </a:effectStyleLst>
-      <a:bgFillStyleLst>
-        <a:solidFill>
-          <a:schemeClr val="phClr"/>
-        </a:solidFill>
-        <a:gradFill rotWithShape="1">
-          <a:gsLst>
-            <a:gs pos="0">
-              <a:schemeClr val="phClr">
-                <a:tint val="40000"/>
-                <a:satMod val="350000"/>
-              </a:schemeClr>
-            </a:gs>
-            <a:gs pos="40000">
-              <a:schemeClr val="phClr">
-                <a:tint val="45000"/>
-                <a:shade val="99000"/>
-                <a:satMod val="350000"/>
-              </a:schemeClr>
-            </a:gs>
-            <a:gs pos="100000">
-              <a:schemeClr val="phClr">
-                <a:shade val="20000"/>
-                <a:satMod val="255000"/>
-              </a:schemeClr>
-            </a:gs>
-          </a:gsLst>
-          <a:path path="circle">
-            <a:fillToRect l="50000" t="-80000" r="50000" b="180000"/>
-          </a:path>
-        </a:gradFill>
-        <a:gradFill rotWithShape="1">
-          <a:gsLst>
-            <a:gs pos="0">
-              <a:schemeClr val="phClr">
-                <a:tint val="80000"/>
-                <a:satMod val="300000"/>
-              </a:schemeClr>
-            </a:gs>
-            <a:gs pos="100000">
-              <a:schemeClr val="phClr">
-                <a:shade val="30000"/>
-                <a:satMod val="200000"/>
-              </a:schemeClr>
-            </a:gs>
-          </a:gsLst>
-          <a:path path="circle">
-            <a:fillToRect l="50000" t="50000" r="50000" b="50000"/>
-          </a:path>
-        </a:gradFill>
-      </a:bgFillStyleLst>
-    </a:fmtScheme>
-  </a:themeElements>
-</a:theme>
 </file>